--- a/Lab02.pptx
+++ b/Lab02.pptx
@@ -3115,7 +3115,7 @@
           </a:ln>
           <a:extLst>
             <a:ext uri="{C572A759-6A51-4108-AA02-DFA0A04FC94B}">
-              <ma14:wrappingTextBoxFlag xmlns:ma14="http://schemas.microsoft.com/office/mac/drawingml/2011/main" xmlns:a14="http://schemas.microsoft.com/office/drawing/2010/main" xmlns:m="http://schemas.openxmlformats.org/officeDocument/2006/math" xmlns="" val="1"/>
+              <ma14:wrappingTextBoxFlag xmlns="" xmlns:m="http://schemas.openxmlformats.org/officeDocument/2006/math" xmlns:a14="http://schemas.microsoft.com/office/drawing/2010/main" xmlns:ma14="http://schemas.microsoft.com/office/mac/drawingml/2011/main" val="1"/>
             </a:ext>
           </a:extLst>
         </p:spPr>
@@ -3154,7 +3154,7 @@
           </a:ln>
           <a:extLst>
             <a:ext uri="{C572A759-6A51-4108-AA02-DFA0A04FC94B}">
-              <ma14:wrappingTextBoxFlag xmlns:ma14="http://schemas.microsoft.com/office/mac/drawingml/2011/main" xmlns:a14="http://schemas.microsoft.com/office/drawing/2010/main" xmlns:m="http://schemas.openxmlformats.org/officeDocument/2006/math" xmlns="" val="1"/>
+              <ma14:wrappingTextBoxFlag xmlns="" xmlns:m="http://schemas.openxmlformats.org/officeDocument/2006/math" xmlns:a14="http://schemas.microsoft.com/office/drawing/2010/main" xmlns:ma14="http://schemas.microsoft.com/office/mac/drawingml/2011/main" val="1"/>
             </a:ext>
           </a:extLst>
         </p:spPr>
@@ -4018,7 +4018,7 @@
           </a:ln>
           <a:extLst>
             <a:ext uri="{C572A759-6A51-4108-AA02-DFA0A04FC94B}">
-              <ma14:wrappingTextBoxFlag xmlns:ma14="http://schemas.microsoft.com/office/mac/drawingml/2011/main" xmlns:a14="http://schemas.microsoft.com/office/drawing/2010/main" xmlns:m="http://schemas.openxmlformats.org/officeDocument/2006/math" xmlns="" val="1"/>
+              <ma14:wrappingTextBoxFlag xmlns="" xmlns:m="http://schemas.openxmlformats.org/officeDocument/2006/math" xmlns:a14="http://schemas.microsoft.com/office/drawing/2010/main" xmlns:ma14="http://schemas.microsoft.com/office/mac/drawingml/2011/main" val="1"/>
             </a:ext>
           </a:extLst>
         </p:spPr>
@@ -4058,7 +4058,7 @@
           </a:ln>
           <a:extLst>
             <a:ext uri="{C572A759-6A51-4108-AA02-DFA0A04FC94B}">
-              <ma14:wrappingTextBoxFlag xmlns:ma14="http://schemas.microsoft.com/office/mac/drawingml/2011/main" xmlns:a14="http://schemas.microsoft.com/office/drawing/2010/main" xmlns:m="http://schemas.openxmlformats.org/officeDocument/2006/math" xmlns="" val="1"/>
+              <ma14:wrappingTextBoxFlag xmlns="" xmlns:m="http://schemas.openxmlformats.org/officeDocument/2006/math" xmlns:a14="http://schemas.microsoft.com/office/drawing/2010/main" xmlns:ma14="http://schemas.microsoft.com/office/mac/drawingml/2011/main" val="1"/>
             </a:ext>
           </a:extLst>
         </p:spPr>
@@ -4101,7 +4101,7 @@
           </a:ln>
           <a:extLst>
             <a:ext uri="{C572A759-6A51-4108-AA02-DFA0A04FC94B}">
-              <ma14:wrappingTextBoxFlag xmlns:ma14="http://schemas.microsoft.com/office/mac/drawingml/2011/main" xmlns:a14="http://schemas.microsoft.com/office/drawing/2010/main" xmlns:m="http://schemas.openxmlformats.org/officeDocument/2006/math" xmlns="" val="1"/>
+              <ma14:wrappingTextBoxFlag xmlns="" xmlns:m="http://schemas.openxmlformats.org/officeDocument/2006/math" xmlns:a14="http://schemas.microsoft.com/office/drawing/2010/main" xmlns:ma14="http://schemas.microsoft.com/office/mac/drawingml/2011/main" val="1"/>
             </a:ext>
           </a:extLst>
         </p:spPr>
@@ -4160,7 +4160,7 @@
           </a:ln>
           <a:extLst>
             <a:ext uri="{C572A759-6A51-4108-AA02-DFA0A04FC94B}">
-              <ma14:wrappingTextBoxFlag xmlns:ma14="http://schemas.microsoft.com/office/mac/drawingml/2011/main" xmlns:a14="http://schemas.microsoft.com/office/drawing/2010/main" xmlns:m="http://schemas.openxmlformats.org/officeDocument/2006/math" xmlns="" val="1"/>
+              <ma14:wrappingTextBoxFlag xmlns="" xmlns:m="http://schemas.openxmlformats.org/officeDocument/2006/math" xmlns:a14="http://schemas.microsoft.com/office/drawing/2010/main" xmlns:ma14="http://schemas.microsoft.com/office/mac/drawingml/2011/main" val="1"/>
             </a:ext>
           </a:extLst>
         </p:spPr>
@@ -4531,7 +4531,7 @@
           </a:ln>
           <a:extLst>
             <a:ext uri="{C572A759-6A51-4108-AA02-DFA0A04FC94B}">
-              <ma14:wrappingTextBoxFlag xmlns:ma14="http://schemas.microsoft.com/office/mac/drawingml/2011/main" xmlns:a14="http://schemas.microsoft.com/office/drawing/2010/main" xmlns:m="http://schemas.openxmlformats.org/officeDocument/2006/math" xmlns="" val="1"/>
+              <ma14:wrappingTextBoxFlag xmlns="" xmlns:m="http://schemas.openxmlformats.org/officeDocument/2006/math" xmlns:a14="http://schemas.microsoft.com/office/drawing/2010/main" xmlns:ma14="http://schemas.microsoft.com/office/mac/drawingml/2011/main" val="1"/>
             </a:ext>
           </a:extLst>
         </p:spPr>
@@ -4727,7 +4727,7 @@
         <p:spPr>
           <a:xfrm>
             <a:off x="1883965" y="2531755"/>
-            <a:ext cx="6173789" cy="954107"/>
+            <a:ext cx="6173789" cy="1384995"/>
           </a:xfrm>
           <a:prstGeom prst="rect">
             <a:avLst/>
@@ -4737,7 +4737,7 @@
           </a:ln>
           <a:extLst>
             <a:ext uri="{C572A759-6A51-4108-AA02-DFA0A04FC94B}">
-              <ma14:wrappingTextBoxFlag xmlns:ma14="http://schemas.microsoft.com/office/mac/drawingml/2011/main" xmlns:a14="http://schemas.microsoft.com/office/drawing/2010/main" xmlns:m="http://schemas.openxmlformats.org/officeDocument/2006/math" xmlns="" val="1"/>
+              <ma14:wrappingTextBoxFlag xmlns="" xmlns:m="http://schemas.openxmlformats.org/officeDocument/2006/math" xmlns:a14="http://schemas.microsoft.com/office/drawing/2010/main" xmlns:ma14="http://schemas.microsoft.com/office/mac/drawingml/2011/main" val="1"/>
             </a:ext>
           </a:extLst>
         </p:spPr>
@@ -4812,6 +4812,23 @@
               <a:t> Orders</a:t>
             </a:r>
             <a:endParaRPr lang="pl-PL" sz="2800" dirty="0"/>
+          </a:p>
+          <a:p>
+            <a:pPr marL="342900" indent="-342900">
+              <a:buSzPct val="100000"/>
+              <a:buFont typeface="Arial"/>
+              <a:buChar char="•"/>
+              <a:defRPr>
+                <a:latin typeface="FagoNoBoldCE-Caps"/>
+                <a:ea typeface="FagoNoBoldCE-Caps"/>
+                <a:cs typeface="FagoNoBoldCE-Caps"/>
+                <a:sym typeface="FagoNoBoldCE-Caps"/>
+              </a:defRPr>
+            </a:pPr>
+            <a:r>
+              <a:rPr lang="pl-PL" sz="2800" dirty="0"/>
+              <a:t>Raportowanie</a:t>
+            </a:r>
           </a:p>
         </p:txBody>
       </p:sp>
@@ -4894,7 +4911,7 @@
           </a:ln>
           <a:extLst>
             <a:ext uri="{C572A759-6A51-4108-AA02-DFA0A04FC94B}">
-              <ma14:wrappingTextBoxFlag xmlns:ma14="http://schemas.microsoft.com/office/mac/drawingml/2011/main" xmlns:a14="http://schemas.microsoft.com/office/drawing/2010/main" xmlns:m="http://schemas.openxmlformats.org/officeDocument/2006/math" xmlns="" val="1"/>
+              <ma14:wrappingTextBoxFlag xmlns="" xmlns:m="http://schemas.openxmlformats.org/officeDocument/2006/math" xmlns:a14="http://schemas.microsoft.com/office/drawing/2010/main" xmlns:ma14="http://schemas.microsoft.com/office/mac/drawingml/2011/main" val="1"/>
             </a:ext>
           </a:extLst>
         </p:spPr>

--- a/Lab02.pptx
+++ b/Lab02.pptx
@@ -3115,7 +3115,7 @@
           </a:ln>
           <a:extLst>
             <a:ext uri="{C572A759-6A51-4108-AA02-DFA0A04FC94B}">
-              <ma14:wrappingTextBoxFlag xmlns="" xmlns:m="http://schemas.openxmlformats.org/officeDocument/2006/math" xmlns:a14="http://schemas.microsoft.com/office/drawing/2010/main" xmlns:ma14="http://schemas.microsoft.com/office/mac/drawingml/2011/main" val="1"/>
+              <ma14:wrappingTextBoxFlag xmlns:ma14="http://schemas.microsoft.com/office/mac/drawingml/2011/main" xmlns:a14="http://schemas.microsoft.com/office/drawing/2010/main" xmlns:m="http://schemas.openxmlformats.org/officeDocument/2006/math" xmlns="" val="1"/>
             </a:ext>
           </a:extLst>
         </p:spPr>
@@ -3154,7 +3154,7 @@
           </a:ln>
           <a:extLst>
             <a:ext uri="{C572A759-6A51-4108-AA02-DFA0A04FC94B}">
-              <ma14:wrappingTextBoxFlag xmlns="" xmlns:m="http://schemas.openxmlformats.org/officeDocument/2006/math" xmlns:a14="http://schemas.microsoft.com/office/drawing/2010/main" xmlns:ma14="http://schemas.microsoft.com/office/mac/drawingml/2011/main" val="1"/>
+              <ma14:wrappingTextBoxFlag xmlns:ma14="http://schemas.microsoft.com/office/mac/drawingml/2011/main" xmlns:a14="http://schemas.microsoft.com/office/drawing/2010/main" xmlns:m="http://schemas.openxmlformats.org/officeDocument/2006/math" xmlns="" val="1"/>
             </a:ext>
           </a:extLst>
         </p:spPr>
@@ -4018,7 +4018,7 @@
           </a:ln>
           <a:extLst>
             <a:ext uri="{C572A759-6A51-4108-AA02-DFA0A04FC94B}">
-              <ma14:wrappingTextBoxFlag xmlns="" xmlns:m="http://schemas.openxmlformats.org/officeDocument/2006/math" xmlns:a14="http://schemas.microsoft.com/office/drawing/2010/main" xmlns:ma14="http://schemas.microsoft.com/office/mac/drawingml/2011/main" val="1"/>
+              <ma14:wrappingTextBoxFlag xmlns:ma14="http://schemas.microsoft.com/office/mac/drawingml/2011/main" xmlns:a14="http://schemas.microsoft.com/office/drawing/2010/main" xmlns:m="http://schemas.openxmlformats.org/officeDocument/2006/math" xmlns="" val="1"/>
             </a:ext>
           </a:extLst>
         </p:spPr>
@@ -4058,7 +4058,7 @@
           </a:ln>
           <a:extLst>
             <a:ext uri="{C572A759-6A51-4108-AA02-DFA0A04FC94B}">
-              <ma14:wrappingTextBoxFlag xmlns="" xmlns:m="http://schemas.openxmlformats.org/officeDocument/2006/math" xmlns:a14="http://schemas.microsoft.com/office/drawing/2010/main" xmlns:ma14="http://schemas.microsoft.com/office/mac/drawingml/2011/main" val="1"/>
+              <ma14:wrappingTextBoxFlag xmlns:ma14="http://schemas.microsoft.com/office/mac/drawingml/2011/main" xmlns:a14="http://schemas.microsoft.com/office/drawing/2010/main" xmlns:m="http://schemas.openxmlformats.org/officeDocument/2006/math" xmlns="" val="1"/>
             </a:ext>
           </a:extLst>
         </p:spPr>
@@ -4101,7 +4101,7 @@
           </a:ln>
           <a:extLst>
             <a:ext uri="{C572A759-6A51-4108-AA02-DFA0A04FC94B}">
-              <ma14:wrappingTextBoxFlag xmlns="" xmlns:m="http://schemas.openxmlformats.org/officeDocument/2006/math" xmlns:a14="http://schemas.microsoft.com/office/drawing/2010/main" xmlns:ma14="http://schemas.microsoft.com/office/mac/drawingml/2011/main" val="1"/>
+              <ma14:wrappingTextBoxFlag xmlns:ma14="http://schemas.microsoft.com/office/mac/drawingml/2011/main" xmlns:a14="http://schemas.microsoft.com/office/drawing/2010/main" xmlns:m="http://schemas.openxmlformats.org/officeDocument/2006/math" xmlns="" val="1"/>
             </a:ext>
           </a:extLst>
         </p:spPr>
@@ -4160,7 +4160,7 @@
           </a:ln>
           <a:extLst>
             <a:ext uri="{C572A759-6A51-4108-AA02-DFA0A04FC94B}">
-              <ma14:wrappingTextBoxFlag xmlns="" xmlns:m="http://schemas.openxmlformats.org/officeDocument/2006/math" xmlns:a14="http://schemas.microsoft.com/office/drawing/2010/main" xmlns:ma14="http://schemas.microsoft.com/office/mac/drawingml/2011/main" val="1"/>
+              <ma14:wrappingTextBoxFlag xmlns:ma14="http://schemas.microsoft.com/office/mac/drawingml/2011/main" xmlns:a14="http://schemas.microsoft.com/office/drawing/2010/main" xmlns:m="http://schemas.openxmlformats.org/officeDocument/2006/math" xmlns="" val="1"/>
             </a:ext>
           </a:extLst>
         </p:spPr>
@@ -4531,7 +4531,7 @@
           </a:ln>
           <a:extLst>
             <a:ext uri="{C572A759-6A51-4108-AA02-DFA0A04FC94B}">
-              <ma14:wrappingTextBoxFlag xmlns="" xmlns:m="http://schemas.openxmlformats.org/officeDocument/2006/math" xmlns:a14="http://schemas.microsoft.com/office/drawing/2010/main" xmlns:ma14="http://schemas.microsoft.com/office/mac/drawingml/2011/main" val="1"/>
+              <ma14:wrappingTextBoxFlag xmlns:ma14="http://schemas.microsoft.com/office/mac/drawingml/2011/main" xmlns:a14="http://schemas.microsoft.com/office/drawing/2010/main" xmlns:m="http://schemas.openxmlformats.org/officeDocument/2006/math" xmlns="" val="1"/>
             </a:ext>
           </a:extLst>
         </p:spPr>
@@ -4737,7 +4737,7 @@
           </a:ln>
           <a:extLst>
             <a:ext uri="{C572A759-6A51-4108-AA02-DFA0A04FC94B}">
-              <ma14:wrappingTextBoxFlag xmlns="" xmlns:m="http://schemas.openxmlformats.org/officeDocument/2006/math" xmlns:a14="http://schemas.microsoft.com/office/drawing/2010/main" xmlns:ma14="http://schemas.microsoft.com/office/mac/drawingml/2011/main" val="1"/>
+              <ma14:wrappingTextBoxFlag xmlns:ma14="http://schemas.microsoft.com/office/mac/drawingml/2011/main" xmlns:a14="http://schemas.microsoft.com/office/drawing/2010/main" xmlns:m="http://schemas.openxmlformats.org/officeDocument/2006/math" xmlns="" val="1"/>
             </a:ext>
           </a:extLst>
         </p:spPr>
@@ -4911,7 +4911,7 @@
           </a:ln>
           <a:extLst>
             <a:ext uri="{C572A759-6A51-4108-AA02-DFA0A04FC94B}">
-              <ma14:wrappingTextBoxFlag xmlns="" xmlns:m="http://schemas.openxmlformats.org/officeDocument/2006/math" xmlns:a14="http://schemas.microsoft.com/office/drawing/2010/main" xmlns:ma14="http://schemas.microsoft.com/office/mac/drawingml/2011/main" val="1"/>
+              <ma14:wrappingTextBoxFlag xmlns:ma14="http://schemas.microsoft.com/office/mac/drawingml/2011/main" xmlns:a14="http://schemas.microsoft.com/office/drawing/2010/main" xmlns:m="http://schemas.openxmlformats.org/officeDocument/2006/math" xmlns="" val="1"/>
             </a:ext>
           </a:extLst>
         </p:spPr>

--- a/Lab02.pptx
+++ b/Lab02.pptx
@@ -3115,7 +3115,7 @@
           </a:ln>
           <a:extLst>
             <a:ext uri="{C572A759-6A51-4108-AA02-DFA0A04FC94B}">
-              <ma14:wrappingTextBoxFlag xmlns:ma14="http://schemas.microsoft.com/office/mac/drawingml/2011/main" xmlns:a14="http://schemas.microsoft.com/office/drawing/2010/main" xmlns:m="http://schemas.openxmlformats.org/officeDocument/2006/math" xmlns="" val="1"/>
+              <ma14:wrappingTextBoxFlag xmlns="" xmlns:m="http://schemas.openxmlformats.org/officeDocument/2006/math" xmlns:a14="http://schemas.microsoft.com/office/drawing/2010/main" xmlns:ma14="http://schemas.microsoft.com/office/mac/drawingml/2011/main" val="1"/>
             </a:ext>
           </a:extLst>
         </p:spPr>
@@ -3154,7 +3154,7 @@
           </a:ln>
           <a:extLst>
             <a:ext uri="{C572A759-6A51-4108-AA02-DFA0A04FC94B}">
-              <ma14:wrappingTextBoxFlag xmlns:ma14="http://schemas.microsoft.com/office/mac/drawingml/2011/main" xmlns:a14="http://schemas.microsoft.com/office/drawing/2010/main" xmlns:m="http://schemas.openxmlformats.org/officeDocument/2006/math" xmlns="" val="1"/>
+              <ma14:wrappingTextBoxFlag xmlns="" xmlns:m="http://schemas.openxmlformats.org/officeDocument/2006/math" xmlns:a14="http://schemas.microsoft.com/office/drawing/2010/main" xmlns:ma14="http://schemas.microsoft.com/office/mac/drawingml/2011/main" val="1"/>
             </a:ext>
           </a:extLst>
         </p:spPr>
@@ -4018,7 +4018,7 @@
           </a:ln>
           <a:extLst>
             <a:ext uri="{C572A759-6A51-4108-AA02-DFA0A04FC94B}">
-              <ma14:wrappingTextBoxFlag xmlns:ma14="http://schemas.microsoft.com/office/mac/drawingml/2011/main" xmlns:a14="http://schemas.microsoft.com/office/drawing/2010/main" xmlns:m="http://schemas.openxmlformats.org/officeDocument/2006/math" xmlns="" val="1"/>
+              <ma14:wrappingTextBoxFlag xmlns="" xmlns:m="http://schemas.openxmlformats.org/officeDocument/2006/math" xmlns:a14="http://schemas.microsoft.com/office/drawing/2010/main" xmlns:ma14="http://schemas.microsoft.com/office/mac/drawingml/2011/main" val="1"/>
             </a:ext>
           </a:extLst>
         </p:spPr>
@@ -4058,7 +4058,7 @@
           </a:ln>
           <a:extLst>
             <a:ext uri="{C572A759-6A51-4108-AA02-DFA0A04FC94B}">
-              <ma14:wrappingTextBoxFlag xmlns:ma14="http://schemas.microsoft.com/office/mac/drawingml/2011/main" xmlns:a14="http://schemas.microsoft.com/office/drawing/2010/main" xmlns:m="http://schemas.openxmlformats.org/officeDocument/2006/math" xmlns="" val="1"/>
+              <ma14:wrappingTextBoxFlag xmlns="" xmlns:m="http://schemas.openxmlformats.org/officeDocument/2006/math" xmlns:a14="http://schemas.microsoft.com/office/drawing/2010/main" xmlns:ma14="http://schemas.microsoft.com/office/mac/drawingml/2011/main" val="1"/>
             </a:ext>
           </a:extLst>
         </p:spPr>
@@ -4101,7 +4101,7 @@
           </a:ln>
           <a:extLst>
             <a:ext uri="{C572A759-6A51-4108-AA02-DFA0A04FC94B}">
-              <ma14:wrappingTextBoxFlag xmlns:ma14="http://schemas.microsoft.com/office/mac/drawingml/2011/main" xmlns:a14="http://schemas.microsoft.com/office/drawing/2010/main" xmlns:m="http://schemas.openxmlformats.org/officeDocument/2006/math" xmlns="" val="1"/>
+              <ma14:wrappingTextBoxFlag xmlns="" xmlns:m="http://schemas.openxmlformats.org/officeDocument/2006/math" xmlns:a14="http://schemas.microsoft.com/office/drawing/2010/main" xmlns:ma14="http://schemas.microsoft.com/office/mac/drawingml/2011/main" val="1"/>
             </a:ext>
           </a:extLst>
         </p:spPr>
@@ -4150,7 +4150,7 @@
         <p:spPr>
           <a:xfrm>
             <a:off x="2130019" y="3385544"/>
-            <a:ext cx="6173789" cy="802641"/>
+            <a:ext cx="6173789" cy="830997"/>
           </a:xfrm>
           <a:prstGeom prst="rect">
             <a:avLst/>
@@ -4160,7 +4160,7 @@
           </a:ln>
           <a:extLst>
             <a:ext uri="{C572A759-6A51-4108-AA02-DFA0A04FC94B}">
-              <ma14:wrappingTextBoxFlag xmlns:ma14="http://schemas.microsoft.com/office/mac/drawingml/2011/main" xmlns:a14="http://schemas.microsoft.com/office/drawing/2010/main" xmlns:m="http://schemas.openxmlformats.org/officeDocument/2006/math" xmlns="" val="1"/>
+              <ma14:wrappingTextBoxFlag xmlns="" xmlns:m="http://schemas.openxmlformats.org/officeDocument/2006/math" xmlns:a14="http://schemas.microsoft.com/office/drawing/2010/main" xmlns:ma14="http://schemas.microsoft.com/office/mac/drawingml/2011/main" val="1"/>
             </a:ext>
           </a:extLst>
         </p:spPr>
@@ -4179,11 +4179,16 @@
               </a:defRPr>
             </a:pPr>
             <a:r>
-              <a:t>Chwała Paweł </a:t>
-            </a:r>
-            <a:r>
-              <a:rPr i="1"/>
-              <a:t>&lt;chwala.pawel@gmail.com&gt;</a:t>
+              <a:rPr lang="pl-PL" dirty="0"/>
+              <a:t>Chwała Paweł &lt;</a:t>
+            </a:r>
+            <a:r>
+              <a:rPr lang="pl-PL" i="1" dirty="0"/>
+              <a:t>pchwala@student.agh.edu.pl</a:t>
+            </a:r>
+            <a:r>
+              <a:rPr lang="pl-PL" dirty="0"/>
+              <a:t>&gt;</a:t>
             </a:r>
           </a:p>
           <a:p>
@@ -4196,11 +4201,16 @@
               </a:defRPr>
             </a:pPr>
             <a:r>
-              <a:t>Ciałowicz Robert </a:t>
-            </a:r>
-            <a:r>
-              <a:rPr i="1"/>
-              <a:t>&lt;robertcialowicz@gmail.com&gt;</a:t>
+              <a:rPr lang="pl-PL" dirty="0"/>
+              <a:t>Ciałowicz Robert &lt;</a:t>
+            </a:r>
+            <a:r>
+              <a:rPr lang="pl-PL" i="1" dirty="0"/>
+              <a:t>robcial@student.agh.edu.pl</a:t>
+            </a:r>
+            <a:r>
+              <a:rPr lang="pl-PL" dirty="0"/>
+              <a:t>&gt;</a:t>
             </a:r>
           </a:p>
           <a:p>
@@ -4213,13 +4223,19 @@
               </a:defRPr>
             </a:pPr>
             <a:r>
-              <a:t>Kozaczkiewicz Łukasz &lt;</a:t>
-            </a:r>
-            <a:r>
-              <a:rPr i="1"/>
-              <a:t>lukasz.kozaczkiewicz@gmail.com</a:t>
-            </a:r>
-            <a:r>
+              <a:rPr lang="pl-PL" dirty="0" err="1"/>
+              <a:t>Kozaczkiewicz</a:t>
+            </a:r>
+            <a:r>
+              <a:rPr lang="pl-PL" dirty="0"/>
+              <a:t> Łukasz &lt;</a:t>
+            </a:r>
+            <a:r>
+              <a:rPr lang="pl-PL" i="1" dirty="0"/>
+              <a:t>kozaczki@student.agh.edu.pl</a:t>
+            </a:r>
+            <a:r>
+              <a:rPr lang="pl-PL" dirty="0"/>
               <a:t>&gt;</a:t>
             </a:r>
           </a:p>
@@ -4233,12 +4249,18 @@
               </a:defRPr>
             </a:pPr>
             <a:r>
-              <a:t>Szpila Magdalena </a:t>
-            </a:r>
-            <a:r>
-              <a:rPr i="1"/>
-              <a:t>&lt;magdaszpila@gmail.com&gt;</a:t>
-            </a:r>
+              <a:rPr lang="pl-PL" dirty="0"/>
+              <a:t>Szpila Magdalena &lt;</a:t>
+            </a:r>
+            <a:r>
+              <a:rPr lang="pl-PL" i="1" dirty="0"/>
+              <a:t>mszpila@student.agh.edu.pl</a:t>
+            </a:r>
+            <a:r>
+              <a:rPr lang="pl-PL" dirty="0"/>
+              <a:t>&gt;</a:t>
+            </a:r>
+            <a:endParaRPr i="1" dirty="0"/>
           </a:p>
         </p:txBody>
       </p:sp>
@@ -4531,7 +4553,7 @@
           </a:ln>
           <a:extLst>
             <a:ext uri="{C572A759-6A51-4108-AA02-DFA0A04FC94B}">
-              <ma14:wrappingTextBoxFlag xmlns:ma14="http://schemas.microsoft.com/office/mac/drawingml/2011/main" xmlns:a14="http://schemas.microsoft.com/office/drawing/2010/main" xmlns:m="http://schemas.openxmlformats.org/officeDocument/2006/math" xmlns="" val="1"/>
+              <ma14:wrappingTextBoxFlag xmlns="" xmlns:m="http://schemas.openxmlformats.org/officeDocument/2006/math" xmlns:a14="http://schemas.microsoft.com/office/drawing/2010/main" xmlns:ma14="http://schemas.microsoft.com/office/mac/drawingml/2011/main" val="1"/>
             </a:ext>
           </a:extLst>
         </p:spPr>
@@ -4737,7 +4759,7 @@
           </a:ln>
           <a:extLst>
             <a:ext uri="{C572A759-6A51-4108-AA02-DFA0A04FC94B}">
-              <ma14:wrappingTextBoxFlag xmlns:ma14="http://schemas.microsoft.com/office/mac/drawingml/2011/main" xmlns:a14="http://schemas.microsoft.com/office/drawing/2010/main" xmlns:m="http://schemas.openxmlformats.org/officeDocument/2006/math" xmlns="" val="1"/>
+              <ma14:wrappingTextBoxFlag xmlns="" xmlns:m="http://schemas.openxmlformats.org/officeDocument/2006/math" xmlns:a14="http://schemas.microsoft.com/office/drawing/2010/main" xmlns:ma14="http://schemas.microsoft.com/office/mac/drawingml/2011/main" val="1"/>
             </a:ext>
           </a:extLst>
         </p:spPr>
@@ -4911,7 +4933,7 @@
           </a:ln>
           <a:extLst>
             <a:ext uri="{C572A759-6A51-4108-AA02-DFA0A04FC94B}">
-              <ma14:wrappingTextBoxFlag xmlns:ma14="http://schemas.microsoft.com/office/mac/drawingml/2011/main" xmlns:a14="http://schemas.microsoft.com/office/drawing/2010/main" xmlns:m="http://schemas.openxmlformats.org/officeDocument/2006/math" xmlns="" val="1"/>
+              <ma14:wrappingTextBoxFlag xmlns="" xmlns:m="http://schemas.openxmlformats.org/officeDocument/2006/math" xmlns:a14="http://schemas.microsoft.com/office/drawing/2010/main" xmlns:ma14="http://schemas.microsoft.com/office/mac/drawingml/2011/main" val="1"/>
             </a:ext>
           </a:extLst>
         </p:spPr>
